--- a/FinalPresentationSlides/utilSlide.pptx
+++ b/FinalPresentationSlides/utilSlide.pptx
@@ -121,7 +121,7 @@
   </p:defaultTextStyle>
   <p:extLst>
     <p:ext uri="{EFAFB233-063F-42B5-8137-9DF3F51BA10A}">
-      <p15:sldGuideLst xmlns:p15="http://schemas.microsoft.com/office/powerpoint/2012/main"/>
+      <p15:sldGuideLst xmlns:p15="http://schemas.microsoft.com/office/powerpoint/2012/main" xmlns=""/>
     </p:ext>
   </p:extLst>
 </p:presentation>
@@ -209,7 +209,7 @@
           <a:p>
             <a:fld id="{87857EF3-CB16-4D9F-BA52-FAE19D95CBEC}" type="datetimeFigureOut">
               <a:rPr lang="en-US" smtClean="0"/>
-              <a:t>4/24/2015</a:t>
+              <a:t>4/24/15</a:t>
             </a:fld>
             <a:endParaRPr lang="en-US"/>
           </a:p>
@@ -860,7 +860,7 @@
           <a:p>
             <a:fld id="{EF7662E3-674D-464C-A6F0-577B5998971D}" type="datetimeFigureOut">
               <a:rPr lang="en-US" smtClean="0"/>
-              <a:t>4/24/2015</a:t>
+              <a:t>4/24/15</a:t>
             </a:fld>
             <a:endParaRPr lang="en-US"/>
           </a:p>
@@ -1030,7 +1030,7 @@
           <a:p>
             <a:fld id="{EF7662E3-674D-464C-A6F0-577B5998971D}" type="datetimeFigureOut">
               <a:rPr lang="en-US" smtClean="0"/>
-              <a:t>4/24/2015</a:t>
+              <a:t>4/24/15</a:t>
             </a:fld>
             <a:endParaRPr lang="en-US"/>
           </a:p>
@@ -1210,7 +1210,7 @@
           <a:p>
             <a:fld id="{EF7662E3-674D-464C-A6F0-577B5998971D}" type="datetimeFigureOut">
               <a:rPr lang="en-US" smtClean="0"/>
-              <a:t>4/24/2015</a:t>
+              <a:t>4/24/15</a:t>
             </a:fld>
             <a:endParaRPr lang="en-US"/>
           </a:p>
@@ -1380,7 +1380,7 @@
           <a:p>
             <a:fld id="{EF7662E3-674D-464C-A6F0-577B5998971D}" type="datetimeFigureOut">
               <a:rPr lang="en-US" smtClean="0"/>
-              <a:t>4/24/2015</a:t>
+              <a:t>4/24/15</a:t>
             </a:fld>
             <a:endParaRPr lang="en-US"/>
           </a:p>
@@ -1626,7 +1626,7 @@
           <a:p>
             <a:fld id="{EF7662E3-674D-464C-A6F0-577B5998971D}" type="datetimeFigureOut">
               <a:rPr lang="en-US" smtClean="0"/>
-              <a:t>4/24/2015</a:t>
+              <a:t>4/24/15</a:t>
             </a:fld>
             <a:endParaRPr lang="en-US"/>
           </a:p>
@@ -1858,7 +1858,7 @@
           <a:p>
             <a:fld id="{EF7662E3-674D-464C-A6F0-577B5998971D}" type="datetimeFigureOut">
               <a:rPr lang="en-US" smtClean="0"/>
-              <a:t>4/24/2015</a:t>
+              <a:t>4/24/15</a:t>
             </a:fld>
             <a:endParaRPr lang="en-US"/>
           </a:p>
@@ -2225,7 +2225,7 @@
           <a:p>
             <a:fld id="{EF7662E3-674D-464C-A6F0-577B5998971D}" type="datetimeFigureOut">
               <a:rPr lang="en-US" smtClean="0"/>
-              <a:t>4/24/2015</a:t>
+              <a:t>4/24/15</a:t>
             </a:fld>
             <a:endParaRPr lang="en-US"/>
           </a:p>
@@ -2343,7 +2343,7 @@
           <a:p>
             <a:fld id="{EF7662E3-674D-464C-A6F0-577B5998971D}" type="datetimeFigureOut">
               <a:rPr lang="en-US" smtClean="0"/>
-              <a:t>4/24/2015</a:t>
+              <a:t>4/24/15</a:t>
             </a:fld>
             <a:endParaRPr lang="en-US"/>
           </a:p>
@@ -2438,7 +2438,7 @@
           <a:p>
             <a:fld id="{EF7662E3-674D-464C-A6F0-577B5998971D}" type="datetimeFigureOut">
               <a:rPr lang="en-US" smtClean="0"/>
-              <a:t>4/24/2015</a:t>
+              <a:t>4/24/15</a:t>
             </a:fld>
             <a:endParaRPr lang="en-US"/>
           </a:p>
@@ -2715,7 +2715,7 @@
           <a:p>
             <a:fld id="{EF7662E3-674D-464C-A6F0-577B5998971D}" type="datetimeFigureOut">
               <a:rPr lang="en-US" smtClean="0"/>
-              <a:t>4/24/2015</a:t>
+              <a:t>4/24/15</a:t>
             </a:fld>
             <a:endParaRPr lang="en-US"/>
           </a:p>
@@ -2968,7 +2968,7 @@
           <a:p>
             <a:fld id="{EF7662E3-674D-464C-A6F0-577B5998971D}" type="datetimeFigureOut">
               <a:rPr lang="en-US" smtClean="0"/>
-              <a:t>4/24/2015</a:t>
+              <a:t>4/24/15</a:t>
             </a:fld>
             <a:endParaRPr lang="en-US"/>
           </a:p>
@@ -3181,7 +3181,7 @@
           <a:p>
             <a:fld id="{EF7662E3-674D-464C-A6F0-577B5998971D}" type="datetimeFigureOut">
               <a:rPr lang="en-US" smtClean="0"/>
-              <a:t>4/24/2015</a:t>
+              <a:t>4/24/15</a:t>
             </a:fld>
             <a:endParaRPr lang="en-US"/>
           </a:p>
@@ -3786,7 +3786,7 @@
   <p:timing>
     <p:tnLst>
       <p:par>
-        <p:cTn id="1" dur="indefinite" restart="never" nodeType="tmRoot"/>
+        <p:cTn xmlns:p14="http://schemas.microsoft.com/office/powerpoint/2010/main" id="1" dur="indefinite" restart="never" nodeType="tmRoot"/>
       </p:par>
     </p:tnLst>
   </p:timing>
@@ -3854,7 +3854,7 @@
   <p:timing>
     <p:tnLst>
       <p:par>
-        <p:cTn id="1" dur="indefinite" restart="never" nodeType="tmRoot"/>
+        <p:cTn xmlns:p14="http://schemas.microsoft.com/office/powerpoint/2010/main" id="1" dur="indefinite" restart="never" nodeType="tmRoot"/>
       </p:par>
     </p:tnLst>
   </p:timing>
@@ -3922,7 +3922,7 @@
   <p:timing>
     <p:tnLst>
       <p:par>
-        <p:cTn id="1" dur="indefinite" restart="never" nodeType="tmRoot"/>
+        <p:cTn xmlns:p14="http://schemas.microsoft.com/office/powerpoint/2010/main" id="1" dur="indefinite" restart="never" nodeType="tmRoot"/>
       </p:par>
     </p:tnLst>
   </p:timing>
@@ -3990,7 +3990,7 @@
   <p:timing>
     <p:tnLst>
       <p:par>
-        <p:cTn id="1" dur="indefinite" restart="never" nodeType="tmRoot"/>
+        <p:cTn xmlns:p14="http://schemas.microsoft.com/office/powerpoint/2010/main" id="1" dur="indefinite" restart="never" nodeType="tmRoot"/>
       </p:par>
     </p:tnLst>
   </p:timing>
@@ -4058,7 +4058,7 @@
   <p:timing>
     <p:tnLst>
       <p:par>
-        <p:cTn id="1" dur="indefinite" restart="never" nodeType="tmRoot"/>
+        <p:cTn xmlns:p14="http://schemas.microsoft.com/office/powerpoint/2010/main" id="1" dur="indefinite" restart="never" nodeType="tmRoot"/>
       </p:par>
     </p:tnLst>
   </p:timing>
@@ -4134,14 +4134,14 @@
             <a:noFill/>
           </a:ln>
           <a:extLst>
-            <a:ext uri="{909E8E84-426E-40DD-AFC4-6F175D3DCCD1}">
+            <a:ext uri="{909E8E84-426E-40dd-AFC4-6F175D3DCCD1}">
               <a14:hiddenFill xmlns:a14="http://schemas.microsoft.com/office/drawing/2010/main">
                 <a:solidFill>
                   <a:srgbClr val="FFFFFF"/>
                 </a:solidFill>
               </a14:hiddenFill>
             </a:ext>
-            <a:ext uri="{91240B29-F687-4F45-9708-019B960494DF}">
+            <a:ext uri="{91240B29-F687-4f45-9708-019B960494DF}">
               <a14:hiddenLine xmlns:a14="http://schemas.microsoft.com/office/drawing/2010/main" w="9525">
                 <a:solidFill>
                   <a:srgbClr val="000000"/>
@@ -4331,7 +4331,7 @@
   <p:timing>
     <p:tnLst>
       <p:par>
-        <p:cTn id="1" dur="indefinite" restart="never" nodeType="tmRoot"/>
+        <p:cTn xmlns:p14="http://schemas.microsoft.com/office/powerpoint/2010/main" id="1" dur="indefinite" restart="never" nodeType="tmRoot"/>
       </p:par>
     </p:tnLst>
   </p:timing>
@@ -4415,14 +4415,14 @@
             <a:noFill/>
           </a:ln>
           <a:extLst>
-            <a:ext uri="{909E8E84-426E-40DD-AFC4-6F175D3DCCD1}">
+            <a:ext uri="{909E8E84-426E-40dd-AFC4-6F175D3DCCD1}">
               <a14:hiddenFill xmlns:a14="http://schemas.microsoft.com/office/drawing/2010/main">
                 <a:solidFill>
                   <a:srgbClr val="FFFFFF"/>
                 </a:solidFill>
               </a14:hiddenFill>
             </a:ext>
-            <a:ext uri="{91240B29-F687-4F45-9708-019B960494DF}">
+            <a:ext uri="{91240B29-F687-4f45-9708-019B960494DF}">
               <a14:hiddenLine xmlns:a14="http://schemas.microsoft.com/office/drawing/2010/main" w="9525">
                 <a:solidFill>
                   <a:srgbClr val="000000"/>
@@ -4634,7 +4634,7 @@
   <p:timing>
     <p:tnLst>
       <p:par>
-        <p:cTn id="1" dur="indefinite" restart="never" nodeType="tmRoot"/>
+        <p:cTn xmlns:p14="http://schemas.microsoft.com/office/powerpoint/2010/main" id="1" dur="indefinite" restart="never" nodeType="tmRoot"/>
       </p:par>
     </p:tnLst>
   </p:timing>
@@ -4732,7 +4732,7 @@
   <p:timing>
     <p:tnLst>
       <p:par>
-        <p:cTn id="1" dur="indefinite" restart="never" nodeType="tmRoot"/>
+        <p:cTn xmlns:p14="http://schemas.microsoft.com/office/powerpoint/2010/main" id="1" dur="indefinite" restart="never" nodeType="tmRoot"/>
       </p:par>
     </p:tnLst>
   </p:timing>
@@ -4788,21 +4788,21 @@
       </p:sp>
       <p:graphicFrame>
         <p:nvGraphicFramePr>
-          <p:cNvPr id="4" name="Content Placeholder 3"/>
+          <p:cNvPr id="5" name="Content Placeholder 3"/>
           <p:cNvGraphicFramePr>
             <a:graphicFrameLocks/>
           </p:cNvGraphicFramePr>
           <p:nvPr>
             <p:extLst>
               <p:ext uri="{D42A27DB-BD31-4B8C-83A1-F6EECF244321}">
-                <p14:modId xmlns:p14="http://schemas.microsoft.com/office/powerpoint/2010/main" val="2056650533"/>
+                <p14:modId xmlns:p14="http://schemas.microsoft.com/office/powerpoint/2010/main" val="315721938"/>
               </p:ext>
             </p:extLst>
           </p:nvPr>
         </p:nvGraphicFramePr>
         <p:xfrm>
-          <a:off x="352686" y="1056352"/>
-          <a:ext cx="3987302" cy="3152657"/>
+          <a:off x="5800291" y="1142474"/>
+          <a:ext cx="4665495" cy="5082633"/>
         </p:xfrm>
         <a:graphic>
           <a:graphicData uri="http://schemas.openxmlformats.org/drawingml/2006/table">
@@ -4811,9 +4811,9 @@
                 <a:tableStyleId>{5C22544A-7EE6-4342-B048-85BDC9FD1C3A}</a:tableStyleId>
               </a:tblPr>
               <a:tblGrid>
-                <a:gridCol w="3987302"/>
+                <a:gridCol w="4665495"/>
               </a:tblGrid>
-              <a:tr h="444902">
+              <a:tr h="553641">
                 <a:tc>
                   <a:txBody>
                     <a:bodyPr/>
@@ -4837,181 +4837,7 @@
                   <a:tcPr/>
                 </a:tc>
               </a:tr>
-              <a:tr h="424403">
-                <a:tc>
-                  <a:txBody>
-                    <a:bodyPr/>
-                    <a:lstStyle/>
-                    <a:p>
-                      <a:pPr algn="l"/>
-                      <a:r>
-                        <a:rPr lang="en-US" b="0" i="0" dirty="0" smtClean="0">
-                          <a:solidFill>
-                            <a:srgbClr val="000000"/>
-                          </a:solidFill>
-                          <a:effectLst/>
-                          <a:latin typeface="Helvetica" panose="020B0604020202020204" pitchFamily="34" charset="0"/>
-                        </a:rPr>
-                        <a:t>Mentee Reports</a:t>
-                      </a:r>
-                      <a:endParaRPr lang="en-US" b="0" i="0" dirty="0">
-                        <a:solidFill>
-                          <a:srgbClr val="000000"/>
-                        </a:solidFill>
-                        <a:effectLst/>
-                        <a:latin typeface="Helvetica" panose="020B0604020202020204" pitchFamily="34" charset="0"/>
-                      </a:endParaRPr>
-                    </a:p>
-                  </a:txBody>
-                  <a:tcPr/>
-                </a:tc>
-              </a:tr>
-              <a:tr h="379468">
-                <a:tc>
-                  <a:txBody>
-                    <a:bodyPr/>
-                    <a:lstStyle/>
-                    <a:p>
-                      <a:pPr algn="l"/>
-                      <a:r>
-                        <a:rPr lang="en-US" b="0" i="0" dirty="0" smtClean="0">
-                          <a:solidFill>
-                            <a:srgbClr val="000000"/>
-                          </a:solidFill>
-                          <a:effectLst/>
-                          <a:latin typeface="Helvetica" panose="020B0604020202020204" pitchFamily="34" charset="0"/>
-                        </a:rPr>
-                        <a:t>Mentor</a:t>
-                      </a:r>
-                      <a:r>
-                        <a:rPr lang="en-US" b="0" i="0" baseline="0" dirty="0" smtClean="0">
-                          <a:solidFill>
-                            <a:srgbClr val="000000"/>
-                          </a:solidFill>
-                          <a:effectLst/>
-                          <a:latin typeface="Helvetica" panose="020B0604020202020204" pitchFamily="34" charset="0"/>
-                        </a:rPr>
-                        <a:t> </a:t>
-                      </a:r>
-                      <a:r>
-                        <a:rPr lang="en-US" b="0" i="0" dirty="0" smtClean="0">
-                          <a:solidFill>
-                            <a:srgbClr val="000000"/>
-                          </a:solidFill>
-                          <a:effectLst/>
-                          <a:latin typeface="Helvetica" panose="020B0604020202020204" pitchFamily="34" charset="0"/>
-                        </a:rPr>
-                        <a:t>Reports</a:t>
-                      </a:r>
-                      <a:endParaRPr lang="en-US" b="0" i="0" dirty="0">
-                        <a:solidFill>
-                          <a:srgbClr val="000000"/>
-                        </a:solidFill>
-                        <a:effectLst/>
-                        <a:latin typeface="Helvetica" panose="020B0604020202020204" pitchFamily="34" charset="0"/>
-                      </a:endParaRPr>
-                    </a:p>
-                  </a:txBody>
-                  <a:tcPr/>
-                </a:tc>
-              </a:tr>
-              <a:tr h="337368">
-                <a:tc>
-                  <a:txBody>
-                    <a:bodyPr/>
-                    <a:lstStyle/>
-                    <a:p>
-                      <a:pPr algn="l"/>
-                      <a:r>
-                        <a:rPr lang="en-US" b="0" i="0" dirty="0" smtClean="0">
-                          <a:solidFill>
-                            <a:srgbClr val="000000"/>
-                          </a:solidFill>
-                          <a:effectLst/>
-                          <a:latin typeface="Helvetica" panose="020B0604020202020204" pitchFamily="34" charset="0"/>
-                        </a:rPr>
-                        <a:t>Ticket Reports</a:t>
-                      </a:r>
-                      <a:endParaRPr lang="en-US" b="0" i="0" dirty="0">
-                        <a:solidFill>
-                          <a:srgbClr val="000000"/>
-                        </a:solidFill>
-                        <a:effectLst/>
-                        <a:latin typeface="Helvetica" panose="020B0604020202020204" pitchFamily="34" charset="0"/>
-                      </a:endParaRPr>
-                    </a:p>
-                  </a:txBody>
-                  <a:tcPr/>
-                </a:tc>
-              </a:tr>
-              <a:tr h="1525826">
-                <a:tc>
-                  <a:txBody>
-                    <a:bodyPr/>
-                    <a:lstStyle/>
-                    <a:p>
-                      <a:endParaRPr lang="en-US" sz="2000" b="1" dirty="0"/>
-                    </a:p>
-                  </a:txBody>
-                  <a:tcPr/>
-                </a:tc>
-              </a:tr>
-            </a:tbl>
-          </a:graphicData>
-        </a:graphic>
-      </p:graphicFrame>
-      <p:graphicFrame>
-        <p:nvGraphicFramePr>
-          <p:cNvPr id="5" name="Content Placeholder 3"/>
-          <p:cNvGraphicFramePr>
-            <a:graphicFrameLocks/>
-          </p:cNvGraphicFramePr>
-          <p:nvPr>
-            <p:extLst>
-              <p:ext uri="{D42A27DB-BD31-4B8C-83A1-F6EECF244321}">
-                <p14:modId xmlns:p14="http://schemas.microsoft.com/office/powerpoint/2010/main" val="2141329051"/>
-              </p:ext>
-            </p:extLst>
-          </p:nvPr>
-        </p:nvGraphicFramePr>
-        <p:xfrm>
-          <a:off x="4626710" y="1078174"/>
-          <a:ext cx="3987302" cy="2513788"/>
-        </p:xfrm>
-        <a:graphic>
-          <a:graphicData uri="http://schemas.openxmlformats.org/drawingml/2006/table">
-            <a:tbl>
-              <a:tblPr firstRow="1" bandRow="1">
-                <a:tableStyleId>{5C22544A-7EE6-4342-B048-85BDC9FD1C3A}</a:tableStyleId>
-              </a:tblPr>
-              <a:tblGrid>
-                <a:gridCol w="3987302"/>
-              </a:tblGrid>
-              <a:tr h="371252">
-                <a:tc>
-                  <a:txBody>
-                    <a:bodyPr/>
-                    <a:lstStyle/>
-                    <a:p>
-                      <a:r>
-                        <a:rPr lang="en-US" sz="2400" dirty="0" smtClean="0"/>
-                        <a:t>User</a:t>
-                      </a:r>
-                      <a:r>
-                        <a:rPr lang="en-US" sz="2400" baseline="0" dirty="0" smtClean="0"/>
-                        <a:t> </a:t>
-                      </a:r>
-                      <a:r>
-                        <a:rPr lang="en-US" sz="2400" dirty="0" smtClean="0"/>
-                        <a:t>Story</a:t>
-                      </a:r>
-                      <a:endParaRPr lang="en-US" sz="2400" dirty="0"/>
-                    </a:p>
-                  </a:txBody>
-                  <a:tcPr/>
-                </a:tc>
-              </a:tr>
-              <a:tr h="519752">
+              <a:tr h="484743">
                 <a:tc>
                   <a:txBody>
                     <a:bodyPr/>
@@ -5040,7 +4866,117 @@
                   <a:tcPr/>
                 </a:tc>
               </a:tr>
-              <a:tr h="297001">
+              <a:tr h="439368">
+                <a:tc>
+                  <a:txBody>
+                    <a:bodyPr/>
+                    <a:lstStyle/>
+                    <a:p>
+                      <a:pPr marL="0" marR="0" indent="0" algn="l" defTabSz="914400" rtl="0" eaLnBrk="1" fontAlgn="auto" latinLnBrk="0" hangingPunct="1">
+                        <a:lnSpc>
+                          <a:spcPct val="100000"/>
+                        </a:lnSpc>
+                        <a:spcBef>
+                          <a:spcPts val="0"/>
+                        </a:spcBef>
+                        <a:spcAft>
+                          <a:spcPts val="0"/>
+                        </a:spcAft>
+                        <a:buClrTx/>
+                        <a:buSzTx/>
+                        <a:buFontTx/>
+                        <a:buNone/>
+                        <a:tabLst/>
+                        <a:defRPr/>
+                      </a:pPr>
+                      <a:r>
+                        <a:rPr lang="en-US" b="0" i="0" dirty="0" smtClean="0">
+                          <a:solidFill>
+                            <a:srgbClr val="000000"/>
+                          </a:solidFill>
+                          <a:effectLst/>
+                          <a:latin typeface="Helvetica" panose="020B0604020202020204" pitchFamily="34" charset="0"/>
+                        </a:rPr>
+                        <a:t>Schedule Video Conference</a:t>
+                      </a:r>
+                      <a:r>
+                        <a:rPr lang="en-US" b="0" i="0" baseline="0" dirty="0" smtClean="0">
+                          <a:solidFill>
+                            <a:srgbClr val="000000"/>
+                          </a:solidFill>
+                          <a:effectLst/>
+                          <a:latin typeface="Helvetica" panose="020B0604020202020204" pitchFamily="34" charset="0"/>
+                        </a:rPr>
+                        <a:t> Ahead of Time</a:t>
+                      </a:r>
+                      <a:endParaRPr lang="en-US" b="0" i="0" dirty="0" smtClean="0">
+                        <a:solidFill>
+                          <a:srgbClr val="000000"/>
+                        </a:solidFill>
+                        <a:effectLst/>
+                        <a:latin typeface="Helvetica" panose="020B0604020202020204" pitchFamily="34" charset="0"/>
+                      </a:endParaRPr>
+                    </a:p>
+                  </a:txBody>
+                  <a:tcPr/>
+                </a:tc>
+              </a:tr>
+              <a:tr h="432092">
+                <a:tc>
+                  <a:txBody>
+                    <a:bodyPr/>
+                    <a:lstStyle/>
+                    <a:p>
+                      <a:pPr marL="0" marR="0" indent="0" algn="l" defTabSz="914400" rtl="0" eaLnBrk="1" fontAlgn="auto" latinLnBrk="0" hangingPunct="1">
+                        <a:lnSpc>
+                          <a:spcPct val="100000"/>
+                        </a:lnSpc>
+                        <a:spcBef>
+                          <a:spcPts val="0"/>
+                        </a:spcBef>
+                        <a:spcAft>
+                          <a:spcPts val="0"/>
+                        </a:spcAft>
+                        <a:buClrTx/>
+                        <a:buSzTx/>
+                        <a:buFontTx/>
+                        <a:buNone/>
+                        <a:tabLst/>
+                        <a:defRPr/>
+                      </a:pPr>
+                      <a:r>
+                        <a:rPr lang="en-US" b="0" i="0" dirty="0" smtClean="0">
+                          <a:solidFill>
+                            <a:srgbClr val="000000"/>
+                          </a:solidFill>
+                          <a:effectLst/>
+                          <a:latin typeface="Helvetica" panose="020B0604020202020204" pitchFamily="34" charset="0"/>
+                        </a:rPr>
+                        <a:t>Schedule Video Conference</a:t>
+                      </a:r>
+                      <a:r>
+                        <a:rPr lang="en-US" b="0" i="0" baseline="0" dirty="0" smtClean="0">
+                          <a:solidFill>
+                            <a:srgbClr val="000000"/>
+                          </a:solidFill>
+                          <a:effectLst/>
+                          <a:latin typeface="Helvetica" panose="020B0604020202020204" pitchFamily="34" charset="0"/>
+                        </a:rPr>
+                        <a:t> From a Ticket</a:t>
+                      </a:r>
+                      <a:endParaRPr lang="en-US" b="0" i="0" dirty="0" smtClean="0">
+                        <a:solidFill>
+                          <a:srgbClr val="000000"/>
+                        </a:solidFill>
+                        <a:effectLst/>
+                        <a:latin typeface="Helvetica" panose="020B0604020202020204" pitchFamily="34" charset="0"/>
+                      </a:endParaRPr>
+                    </a:p>
+                  </a:txBody>
+                  <a:tcPr/>
+                </a:tc>
+              </a:tr>
+              <a:tr h="432092">
                 <a:tc>
                   <a:txBody>
                     <a:bodyPr/>
@@ -5069,41 +5005,212 @@
                   <a:tcPr/>
                 </a:tc>
               </a:tr>
-              <a:tr h="297001">
+              <a:tr h="407218">
                 <a:tc>
                   <a:txBody>
                     <a:bodyPr/>
                     <a:lstStyle/>
                     <a:p>
-                      <a:pPr algn="l"/>
+                      <a:r>
+                        <a:rPr lang="en-US" sz="1800" b="0" dirty="0" smtClean="0">
+                          <a:latin typeface="Helvetica"/>
+                          <a:cs typeface="Helvetica"/>
+                        </a:rPr>
+                        <a:t>Screen</a:t>
+                      </a:r>
+                      <a:r>
+                        <a:rPr lang="en-US" sz="1800" b="0" baseline="0" dirty="0" smtClean="0">
+                          <a:latin typeface="Helvetica"/>
+                          <a:cs typeface="Helvetica"/>
+                        </a:rPr>
+                        <a:t> Sharing During Video Conference</a:t>
+                      </a:r>
+                      <a:endParaRPr lang="en-US" sz="1800" b="0" dirty="0" smtClean="0">
+                        <a:latin typeface="Helvetica"/>
+                        <a:cs typeface="Helvetica"/>
+                      </a:endParaRPr>
+                    </a:p>
+                  </a:txBody>
+                  <a:tcPr/>
+                </a:tc>
+              </a:tr>
+              <a:tr h="407218">
+                <a:tc>
+                  <a:txBody>
+                    <a:bodyPr/>
+                    <a:lstStyle/>
+                    <a:p>
+                      <a:r>
+                        <a:rPr lang="en-US" sz="1800" b="0" dirty="0" smtClean="0">
+                          <a:latin typeface="Helvetica"/>
+                          <a:cs typeface="Helvetica"/>
+                        </a:rPr>
+                        <a:t>Use Whiteboard</a:t>
+                      </a:r>
+                    </a:p>
+                  </a:txBody>
+                  <a:tcPr/>
+                </a:tc>
+              </a:tr>
+              <a:tr h="407218">
+                <a:tc>
+                  <a:txBody>
+                    <a:bodyPr/>
+                    <a:lstStyle/>
+                    <a:p>
+                      <a:r>
+                        <a:rPr lang="en-US" sz="1800" b="0" dirty="0" smtClean="0">
+                          <a:latin typeface="Helvetica"/>
+                          <a:cs typeface="Helvetica"/>
+                        </a:rPr>
+                        <a:t>Use Chat </a:t>
+                      </a:r>
+                      <a:r>
+                        <a:rPr lang="en-US" sz="1800" b="0" dirty="0" smtClean="0">
+                          <a:latin typeface="Helvetica"/>
+                          <a:cs typeface="Helvetica"/>
+                        </a:rPr>
+                        <a:t>Room</a:t>
+                      </a:r>
+                    </a:p>
+                  </a:txBody>
+                  <a:tcPr/>
+                </a:tc>
+              </a:tr>
+              <a:tr h="452863">
+                <a:tc>
+                  <a:txBody>
+                    <a:bodyPr/>
+                    <a:lstStyle/>
+                    <a:p>
                       <a:r>
                         <a:rPr lang="en-US" sz="1800" b="0" i="0" u="none" strike="noStrike" kern="1200" dirty="0" smtClean="0">
                           <a:solidFill>
                             <a:schemeClr val="dk1"/>
                           </a:solidFill>
                           <a:effectLst/>
-                          <a:latin typeface="+mn-lt"/>
+                          <a:latin typeface="Helvetica"/>
                           <a:ea typeface="+mn-ea"/>
-                          <a:cs typeface="+mn-cs"/>
+                          <a:cs typeface="Helvetica"/>
                         </a:rPr>
-                        <a:t>Cancel Video Conference Meeting</a:t>
+                        <a:t>Invite More</a:t>
                       </a:r>
+                      <a:r>
+                        <a:rPr lang="en-US" sz="1800" b="0" i="0" u="none" strike="noStrike" kern="1200" baseline="0" dirty="0" smtClean="0">
+                          <a:solidFill>
+                            <a:schemeClr val="dk1"/>
+                          </a:solidFill>
+                          <a:effectLst/>
+                          <a:latin typeface="Helvetica"/>
+                          <a:ea typeface="+mn-ea"/>
+                          <a:cs typeface="Helvetica"/>
+                        </a:rPr>
+                        <a:t> People</a:t>
+                      </a:r>
+                      <a:endParaRPr lang="en-US" sz="1800" b="0" i="0" u="none" strike="noStrike" kern="1200" dirty="0">
+                        <a:solidFill>
+                          <a:schemeClr val="dk1"/>
+                        </a:solidFill>
+                        <a:effectLst/>
+                        <a:latin typeface="Helvetica"/>
+                        <a:ea typeface="+mn-ea"/>
+                        <a:cs typeface="Helvetica"/>
+                      </a:endParaRPr>
                     </a:p>
                   </a:txBody>
                   <a:tcPr/>
                 </a:tc>
               </a:tr>
-              <a:tr h="684988">
+              <a:tr h="426100">
                 <a:tc>
                   <a:txBody>
                     <a:bodyPr/>
                     <a:lstStyle/>
                     <a:p>
                       <a:r>
-                        <a:rPr lang="en-US" sz="2000" b="1" dirty="0" smtClean="0"/>
-                        <a:t>Use Chat Room</a:t>
+                        <a:rPr lang="en-US" sz="1800" b="0" i="0" u="none" strike="noStrike" kern="1200" dirty="0" smtClean="0">
+                          <a:solidFill>
+                            <a:schemeClr val="dk1"/>
+                          </a:solidFill>
+                          <a:effectLst/>
+                          <a:latin typeface="Helvetica"/>
+                          <a:ea typeface="+mn-ea"/>
+                          <a:cs typeface="Helvetica"/>
+                        </a:rPr>
+                        <a:t>Accept/Reject Video Conference</a:t>
                       </a:r>
-                      <a:endParaRPr lang="en-US" sz="2000" b="1" dirty="0"/>
+                      <a:r>
+                        <a:rPr lang="en-US" sz="1800" b="0" i="0" u="none" strike="noStrike" kern="1200" baseline="0" dirty="0" smtClean="0">
+                          <a:solidFill>
+                            <a:schemeClr val="dk1"/>
+                          </a:solidFill>
+                          <a:effectLst/>
+                          <a:latin typeface="Helvetica"/>
+                          <a:ea typeface="+mn-ea"/>
+                          <a:cs typeface="Helvetica"/>
+                        </a:rPr>
+                        <a:t> Invitation</a:t>
+                      </a:r>
+                      <a:endParaRPr lang="en-US" sz="1800" b="0" i="0" u="none" strike="noStrike" kern="1200" dirty="0">
+                        <a:solidFill>
+                          <a:schemeClr val="dk1"/>
+                        </a:solidFill>
+                        <a:effectLst/>
+                        <a:latin typeface="Helvetica"/>
+                        <a:ea typeface="+mn-ea"/>
+                        <a:cs typeface="Helvetica"/>
+                      </a:endParaRPr>
+                    </a:p>
+                  </a:txBody>
+                  <a:tcPr/>
+                </a:tc>
+              </a:tr>
+              <a:tr h="638850">
+                <a:tc>
+                  <a:txBody>
+                    <a:bodyPr/>
+                    <a:lstStyle/>
+                    <a:p>
+                      <a:pPr marL="0" marR="0" indent="0" algn="l" defTabSz="914400" rtl="0" eaLnBrk="1" fontAlgn="auto" latinLnBrk="0" hangingPunct="1">
+                        <a:lnSpc>
+                          <a:spcPct val="100000"/>
+                        </a:lnSpc>
+                        <a:spcBef>
+                          <a:spcPts val="0"/>
+                        </a:spcBef>
+                        <a:spcAft>
+                          <a:spcPts val="0"/>
+                        </a:spcAft>
+                        <a:buClrTx/>
+                        <a:buSzTx/>
+                        <a:buFontTx/>
+                        <a:buNone/>
+                        <a:tabLst/>
+                        <a:defRPr/>
+                      </a:pPr>
+                      <a:r>
+                        <a:rPr lang="en-US" sz="1800" b="0" i="0" u="none" strike="noStrike" kern="1200" dirty="0" smtClean="0">
+                          <a:solidFill>
+                            <a:schemeClr val="dk1"/>
+                          </a:solidFill>
+                          <a:effectLst/>
+                          <a:latin typeface="Helvetica"/>
+                          <a:ea typeface="+mn-ea"/>
+                          <a:cs typeface="Helvetica"/>
+                        </a:rPr>
+                        <a:t>Cancel Video Conference Meeting</a:t>
+                      </a:r>
+                    </a:p>
+                    <a:p>
+                      <a:endParaRPr lang="en-US" sz="1800" b="0" i="0" u="none" strike="noStrike" kern="1200" dirty="0">
+                        <a:solidFill>
+                          <a:schemeClr val="dk1"/>
+                        </a:solidFill>
+                        <a:effectLst/>
+                        <a:latin typeface="+mn-lt"/>
+                        <a:ea typeface="+mn-ea"/>
+                        <a:cs typeface="+mn-cs"/>
+                      </a:endParaRPr>
                     </a:p>
                   </a:txBody>
                   <a:tcPr/>
@@ -5126,7 +5233,7 @@
   <p:timing>
     <p:tnLst>
       <p:par>
-        <p:cTn id="1" dur="indefinite" restart="never" nodeType="tmRoot"/>
+        <p:cTn xmlns:p14="http://schemas.microsoft.com/office/powerpoint/2010/main" id="1" dur="indefinite" restart="never" nodeType="tmRoot"/>
       </p:par>
     </p:tnLst>
   </p:timing>
@@ -5194,7 +5301,7 @@
   <p:timing>
     <p:tnLst>
       <p:par>
-        <p:cTn id="1" dur="indefinite" restart="never" nodeType="tmRoot"/>
+        <p:cTn xmlns:p14="http://schemas.microsoft.com/office/powerpoint/2010/main" id="1" dur="indefinite" restart="never" nodeType="tmRoot"/>
       </p:par>
     </p:tnLst>
   </p:timing>
@@ -5262,7 +5369,7 @@
   <p:timing>
     <p:tnLst>
       <p:par>
-        <p:cTn id="1" dur="indefinite" restart="never" nodeType="tmRoot"/>
+        <p:cTn xmlns:p14="http://schemas.microsoft.com/office/powerpoint/2010/main" id="1" dur="indefinite" restart="never" nodeType="tmRoot"/>
       </p:par>
     </p:tnLst>
   </p:timing>
@@ -5359,7 +5466,7 @@
   <p:timing>
     <p:tnLst>
       <p:par>
-        <p:cTn id="1" dur="indefinite" restart="never" nodeType="tmRoot"/>
+        <p:cTn xmlns:p14="http://schemas.microsoft.com/office/powerpoint/2010/main" id="1" dur="indefinite" restart="never" nodeType="tmRoot"/>
       </p:par>
     </p:tnLst>
   </p:timing>
@@ -5427,7 +5534,7 @@
   <p:timing>
     <p:tnLst>
       <p:par>
-        <p:cTn id="1" dur="indefinite" restart="never" nodeType="tmRoot"/>
+        <p:cTn xmlns:p14="http://schemas.microsoft.com/office/powerpoint/2010/main" id="1" dur="indefinite" restart="never" nodeType="tmRoot"/>
       </p:par>
     </p:tnLst>
   </p:timing>
@@ -5477,7 +5584,7 @@
     </a:clrScheme>
     <a:fontScheme name="Office">
       <a:majorFont>
-        <a:latin typeface="Calibri Light" panose="020F0302020204030204"/>
+        <a:latin typeface="Calibri Light"/>
         <a:ea typeface=""/>
         <a:cs typeface=""/>
         <a:font script="Jpan" typeface="ＭＳ Ｐゴシック"/>
@@ -5512,7 +5619,7 @@
         <a:font script="Geor" typeface="Sylfaen"/>
       </a:majorFont>
       <a:minorFont>
-        <a:latin typeface="Calibri" panose="020F0502020204030204"/>
+        <a:latin typeface="Calibri"/>
         <a:ea typeface=""/>
         <a:cs typeface=""/>
         <a:font script="Jpan" typeface="ＭＳ Ｐゴシック"/>
@@ -5689,7 +5796,7 @@
   <a:extraClrSchemeLst/>
   <a:extLst>
     <a:ext uri="{05A4C25C-085E-4340-85A3-A5531E510DB2}">
-      <thm15:themeFamily xmlns:thm15="http://schemas.microsoft.com/office/thememl/2012/main" name="Office Theme" id="{62F939B6-93AF-4DB8-9C6B-D6C7DFDC589F}" vid="{4A3C46E8-61CC-4603-A589-7422A47A8E4A}"/>
+      <thm15:themeFamily xmlns:thm15="http://schemas.microsoft.com/office/thememl/2012/main" xmlns="" name="Office Theme" id="{62F939B6-93AF-4DB8-9C6B-D6C7DFDC589F}" vid="{4A3C46E8-61CC-4603-A589-7422A47A8E4A}"/>
     </a:ext>
   </a:extLst>
 </a:theme>
@@ -5738,7 +5845,7 @@
     </a:clrScheme>
     <a:fontScheme name="Office">
       <a:majorFont>
-        <a:latin typeface="Calibri Light" panose="020F0302020204030204"/>
+        <a:latin typeface="Calibri Light"/>
         <a:ea typeface=""/>
         <a:cs typeface=""/>
         <a:font script="Jpan" typeface="ＭＳ Ｐゴシック"/>
@@ -5773,7 +5880,7 @@
         <a:font script="Geor" typeface="Sylfaen"/>
       </a:majorFont>
       <a:minorFont>
-        <a:latin typeface="Calibri" panose="020F0502020204030204"/>
+        <a:latin typeface="Calibri"/>
         <a:ea typeface=""/>
         <a:cs typeface=""/>
         <a:font script="Jpan" typeface="ＭＳ Ｐゴシック"/>
@@ -5950,7 +6057,7 @@
   <a:extraClrSchemeLst/>
   <a:extLst>
     <a:ext uri="{05A4C25C-085E-4340-85A3-A5531E510DB2}">
-      <thm15:themeFamily xmlns:thm15="http://schemas.microsoft.com/office/thememl/2012/main" name="Office Theme" id="{62F939B6-93AF-4DB8-9C6B-D6C7DFDC589F}" vid="{4A3C46E8-61CC-4603-A589-7422A47A8E4A}"/>
+      <thm15:themeFamily xmlns:thm15="http://schemas.microsoft.com/office/thememl/2012/main" xmlns="" name="Office Theme" id="{62F939B6-93AF-4DB8-9C6B-D6C7DFDC589F}" vid="{4A3C46E8-61CC-4603-A589-7422A47A8E4A}"/>
     </a:ext>
   </a:extLst>
 </a:theme>
